--- a/BootStrap/BootStrap.pptx
+++ b/BootStrap/BootStrap.pptx
@@ -12,6 +12,8 @@
     <p:sldId id="260" r:id="rId6"/>
     <p:sldId id="261" r:id="rId7"/>
     <p:sldId id="262" r:id="rId8"/>
+    <p:sldId id="263" r:id="rId9"/>
+    <p:sldId id="264" r:id="rId10"/>
   </p:sldIdLst>
   <p:sldSz cx="12192000" cy="6858000"/>
   <p:notesSz cx="6858000" cy="9144000"/>
@@ -110,6 +112,11 @@
       </a:defRPr>
     </a:lvl9pPr>
   </p:defaultTextStyle>
+  <p:extLst>
+    <p:ext uri="{EFAFB233-063F-42B5-8137-9DF3F51BA10A}">
+      <p15:sldGuideLst xmlns:p15="http://schemas.microsoft.com/office/powerpoint/2012/main"/>
+    </p:ext>
+  </p:extLst>
 </p:presentation>
 </file>
 
@@ -262,7 +269,7 @@
           <a:p>
             <a:fld id="{C733A816-DFDF-8B42-95C4-9A27724DA6F8}" type="datetimeFigureOut">
               <a:rPr lang="en-US" smtClean="0"/>
-              <a:t>7/28/25</a:t>
+              <a:t>8/5/25</a:t>
             </a:fld>
             <a:endParaRPr lang="en-US"/>
           </a:p>
@@ -462,7 +469,7 @@
           <a:p>
             <a:fld id="{C733A816-DFDF-8B42-95C4-9A27724DA6F8}" type="datetimeFigureOut">
               <a:rPr lang="en-US" smtClean="0"/>
-              <a:t>7/28/25</a:t>
+              <a:t>8/5/25</a:t>
             </a:fld>
             <a:endParaRPr lang="en-US"/>
           </a:p>
@@ -672,7 +679,7 @@
           <a:p>
             <a:fld id="{C733A816-DFDF-8B42-95C4-9A27724DA6F8}" type="datetimeFigureOut">
               <a:rPr lang="en-US" smtClean="0"/>
-              <a:t>7/28/25</a:t>
+              <a:t>8/5/25</a:t>
             </a:fld>
             <a:endParaRPr lang="en-US"/>
           </a:p>
@@ -872,7 +879,7 @@
           <a:p>
             <a:fld id="{C733A816-DFDF-8B42-95C4-9A27724DA6F8}" type="datetimeFigureOut">
               <a:rPr lang="en-US" smtClean="0"/>
-              <a:t>7/28/25</a:t>
+              <a:t>8/5/25</a:t>
             </a:fld>
             <a:endParaRPr lang="en-US"/>
           </a:p>
@@ -1148,7 +1155,7 @@
           <a:p>
             <a:fld id="{C733A816-DFDF-8B42-95C4-9A27724DA6F8}" type="datetimeFigureOut">
               <a:rPr lang="en-US" smtClean="0"/>
-              <a:t>7/28/25</a:t>
+              <a:t>8/5/25</a:t>
             </a:fld>
             <a:endParaRPr lang="en-US"/>
           </a:p>
@@ -1416,7 +1423,7 @@
           <a:p>
             <a:fld id="{C733A816-DFDF-8B42-95C4-9A27724DA6F8}" type="datetimeFigureOut">
               <a:rPr lang="en-US" smtClean="0"/>
-              <a:t>7/28/25</a:t>
+              <a:t>8/5/25</a:t>
             </a:fld>
             <a:endParaRPr lang="en-US"/>
           </a:p>
@@ -1831,7 +1838,7 @@
           <a:p>
             <a:fld id="{C733A816-DFDF-8B42-95C4-9A27724DA6F8}" type="datetimeFigureOut">
               <a:rPr lang="en-US" smtClean="0"/>
-              <a:t>7/28/25</a:t>
+              <a:t>8/5/25</a:t>
             </a:fld>
             <a:endParaRPr lang="en-US"/>
           </a:p>
@@ -1973,7 +1980,7 @@
           <a:p>
             <a:fld id="{C733A816-DFDF-8B42-95C4-9A27724DA6F8}" type="datetimeFigureOut">
               <a:rPr lang="en-US" smtClean="0"/>
-              <a:t>7/28/25</a:t>
+              <a:t>8/5/25</a:t>
             </a:fld>
             <a:endParaRPr lang="en-US"/>
           </a:p>
@@ -2086,7 +2093,7 @@
           <a:p>
             <a:fld id="{C733A816-DFDF-8B42-95C4-9A27724DA6F8}" type="datetimeFigureOut">
               <a:rPr lang="en-US" smtClean="0"/>
-              <a:t>7/28/25</a:t>
+              <a:t>8/5/25</a:t>
             </a:fld>
             <a:endParaRPr lang="en-US"/>
           </a:p>
@@ -2399,7 +2406,7 @@
           <a:p>
             <a:fld id="{C733A816-DFDF-8B42-95C4-9A27724DA6F8}" type="datetimeFigureOut">
               <a:rPr lang="en-US" smtClean="0"/>
-              <a:t>7/28/25</a:t>
+              <a:t>8/5/25</a:t>
             </a:fld>
             <a:endParaRPr lang="en-US"/>
           </a:p>
@@ -2688,7 +2695,7 @@
           <a:p>
             <a:fld id="{C733A816-DFDF-8B42-95C4-9A27724DA6F8}" type="datetimeFigureOut">
               <a:rPr lang="en-US" smtClean="0"/>
-              <a:t>7/28/25</a:t>
+              <a:t>8/5/25</a:t>
             </a:fld>
             <a:endParaRPr lang="en-US"/>
           </a:p>
@@ -2931,7 +2938,7 @@
           <a:p>
             <a:fld id="{C733A816-DFDF-8B42-95C4-9A27724DA6F8}" type="datetimeFigureOut">
               <a:rPr lang="en-US" smtClean="0"/>
-              <a:t>7/28/25</a:t>
+              <a:t>8/5/25</a:t>
             </a:fld>
             <a:endParaRPr lang="en-US"/>
           </a:p>
@@ -4039,6 +4046,265 @@
     <p:extLst>
       <p:ext uri="{BB962C8B-B14F-4D97-AF65-F5344CB8AC3E}">
         <p14:creationId xmlns:p14="http://schemas.microsoft.com/office/powerpoint/2010/main" val="1937423167"/>
+      </p:ext>
+    </p:extLst>
+  </p:cSld>
+  <p:clrMapOvr>
+    <a:masterClrMapping/>
+  </p:clrMapOvr>
+</p:sld>
+</file>
+
+<file path=ppt/slides/slide8.xml><?xml version="1.0" encoding="utf-8"?>
+<p:sld xmlns:a="http://schemas.openxmlformats.org/drawingml/2006/main" xmlns:r="http://schemas.openxmlformats.org/officeDocument/2006/relationships" xmlns:p="http://schemas.openxmlformats.org/presentationml/2006/main">
+  <p:cSld>
+    <p:spTree>
+      <p:nvGrpSpPr>
+        <p:cNvPr id="1" name=""/>
+        <p:cNvGrpSpPr/>
+        <p:nvPr/>
+      </p:nvGrpSpPr>
+      <p:grpSpPr>
+        <a:xfrm>
+          <a:off x="0" y="0"/>
+          <a:ext cx="0" cy="0"/>
+          <a:chOff x="0" y="0"/>
+          <a:chExt cx="0" cy="0"/>
+        </a:xfrm>
+      </p:grpSpPr>
+      <p:sp>
+        <p:nvSpPr>
+          <p:cNvPr id="2" name="Title 1">
+            <a:extLst>
+              <a:ext uri="{FF2B5EF4-FFF2-40B4-BE49-F238E27FC236}">
+                <a16:creationId xmlns:a16="http://schemas.microsoft.com/office/drawing/2014/main" id="{014D4612-429F-629F-639C-13BA8EA01732}"/>
+              </a:ext>
+            </a:extLst>
+          </p:cNvPr>
+          <p:cNvSpPr>
+            <a:spLocks noGrp="1"/>
+          </p:cNvSpPr>
+          <p:nvPr>
+            <p:ph type="title"/>
+          </p:nvPr>
+        </p:nvSpPr>
+        <p:spPr/>
+        <p:txBody>
+          <a:bodyPr/>
+          <a:lstStyle/>
+          <a:p>
+            <a:r>
+              <a:rPr lang="en-US" dirty="0"/>
+              <a:t>Components</a:t>
+            </a:r>
+          </a:p>
+        </p:txBody>
+      </p:sp>
+      <p:sp>
+        <p:nvSpPr>
+          <p:cNvPr id="3" name="Content Placeholder 2">
+            <a:extLst>
+              <a:ext uri="{FF2B5EF4-FFF2-40B4-BE49-F238E27FC236}">
+                <a16:creationId xmlns:a16="http://schemas.microsoft.com/office/drawing/2014/main" id="{DBAF1C0E-6A81-BB7C-15AD-E9FCEA363008}"/>
+              </a:ext>
+            </a:extLst>
+          </p:cNvPr>
+          <p:cNvSpPr>
+            <a:spLocks noGrp="1"/>
+          </p:cNvSpPr>
+          <p:nvPr>
+            <p:ph idx="1"/>
+          </p:nvPr>
+        </p:nvSpPr>
+        <p:spPr/>
+        <p:txBody>
+          <a:bodyPr>
+            <a:normAutofit lnSpcReduction="10000"/>
+          </a:bodyPr>
+          <a:lstStyle/>
+          <a:p>
+            <a:r>
+              <a:rPr lang="en-US" dirty="0"/>
+              <a:t>Accordion</a:t>
+            </a:r>
+          </a:p>
+          <a:p>
+            <a:r>
+              <a:rPr lang="en-US" dirty="0"/>
+              <a:t>Alerts</a:t>
+            </a:r>
+          </a:p>
+          <a:p>
+            <a:r>
+              <a:rPr lang="en-US" dirty="0"/>
+              <a:t>Badges &amp; Button Groups</a:t>
+            </a:r>
+          </a:p>
+          <a:p>
+            <a:r>
+              <a:rPr lang="en-US" dirty="0"/>
+              <a:t>Cards</a:t>
+            </a:r>
+          </a:p>
+          <a:p>
+            <a:r>
+              <a:rPr lang="en-US" dirty="0"/>
+              <a:t>Carousel</a:t>
+            </a:r>
+          </a:p>
+          <a:p>
+            <a:r>
+              <a:rPr lang="en-US" dirty="0"/>
+              <a:t>Dropdown</a:t>
+            </a:r>
+          </a:p>
+          <a:p>
+            <a:r>
+              <a:rPr lang="en-US" dirty="0"/>
+              <a:t>List &amp; List Groups</a:t>
+            </a:r>
+          </a:p>
+          <a:p>
+            <a:r>
+              <a:rPr lang="en-US" dirty="0"/>
+              <a:t>Buttons</a:t>
+            </a:r>
+          </a:p>
+          <a:p>
+            <a:r>
+              <a:rPr lang="en-US"/>
+              <a:t>cards</a:t>
+            </a:r>
+            <a:endParaRPr lang="en-US" dirty="0"/>
+          </a:p>
+        </p:txBody>
+      </p:sp>
+    </p:spTree>
+    <p:extLst>
+      <p:ext uri="{BB962C8B-B14F-4D97-AF65-F5344CB8AC3E}">
+        <p14:creationId xmlns:p14="http://schemas.microsoft.com/office/powerpoint/2010/main" val="3180449605"/>
+      </p:ext>
+    </p:extLst>
+  </p:cSld>
+  <p:clrMapOvr>
+    <a:masterClrMapping/>
+  </p:clrMapOvr>
+</p:sld>
+</file>
+
+<file path=ppt/slides/slide9.xml><?xml version="1.0" encoding="utf-8"?>
+<p:sld xmlns:a="http://schemas.openxmlformats.org/drawingml/2006/main" xmlns:r="http://schemas.openxmlformats.org/officeDocument/2006/relationships" xmlns:p="http://schemas.openxmlformats.org/presentationml/2006/main">
+  <p:cSld>
+    <p:spTree>
+      <p:nvGrpSpPr>
+        <p:cNvPr id="1" name=""/>
+        <p:cNvGrpSpPr/>
+        <p:nvPr/>
+      </p:nvGrpSpPr>
+      <p:grpSpPr>
+        <a:xfrm>
+          <a:off x="0" y="0"/>
+          <a:ext cx="0" cy="0"/>
+          <a:chOff x="0" y="0"/>
+          <a:chExt cx="0" cy="0"/>
+        </a:xfrm>
+      </p:grpSpPr>
+      <p:sp>
+        <p:nvSpPr>
+          <p:cNvPr id="2" name="Title 1">
+            <a:extLst>
+              <a:ext uri="{FF2B5EF4-FFF2-40B4-BE49-F238E27FC236}">
+                <a16:creationId xmlns:a16="http://schemas.microsoft.com/office/drawing/2014/main" id="{638E5E80-0F18-FC6D-8809-7801185ACB79}"/>
+              </a:ext>
+            </a:extLst>
+          </p:cNvPr>
+          <p:cNvSpPr>
+            <a:spLocks noGrp="1"/>
+          </p:cNvSpPr>
+          <p:nvPr>
+            <p:ph type="title"/>
+          </p:nvPr>
+        </p:nvSpPr>
+        <p:spPr/>
+        <p:txBody>
+          <a:bodyPr/>
+          <a:lstStyle/>
+          <a:p>
+            <a:endParaRPr lang="en-US"/>
+          </a:p>
+        </p:txBody>
+      </p:sp>
+      <p:sp>
+        <p:nvSpPr>
+          <p:cNvPr id="3" name="Content Placeholder 2">
+            <a:extLst>
+              <a:ext uri="{FF2B5EF4-FFF2-40B4-BE49-F238E27FC236}">
+                <a16:creationId xmlns:a16="http://schemas.microsoft.com/office/drawing/2014/main" id="{2383C9F2-CD7B-643C-19A8-F881348497A4}"/>
+              </a:ext>
+            </a:extLst>
+          </p:cNvPr>
+          <p:cNvSpPr>
+            <a:spLocks noGrp="1"/>
+          </p:cNvSpPr>
+          <p:nvPr>
+            <p:ph idx="1"/>
+          </p:nvPr>
+        </p:nvSpPr>
+        <p:spPr/>
+        <p:txBody>
+          <a:bodyPr/>
+          <a:lstStyle/>
+          <a:p>
+            <a:r>
+              <a:rPr lang="en-US" dirty="0"/>
+              <a:t>Project 1</a:t>
+            </a:r>
+          </a:p>
+          <a:p>
+            <a:pPr lvl="1"/>
+            <a:r>
+              <a:rPr lang="en-US" dirty="0"/>
+              <a:t>Portfolio</a:t>
+            </a:r>
+          </a:p>
+          <a:p>
+            <a:pPr lvl="1"/>
+            <a:r>
+              <a:rPr lang="en-US" dirty="0"/>
+              <a:t>Project Setup</a:t>
+            </a:r>
+          </a:p>
+          <a:p>
+            <a:pPr lvl="1"/>
+            <a:r>
+              <a:rPr lang="en-US" dirty="0"/>
+              <a:t>Webpage Navigation section</a:t>
+            </a:r>
+          </a:p>
+          <a:p>
+            <a:pPr lvl="1"/>
+            <a:r>
+              <a:rPr lang="en-US" dirty="0"/>
+              <a:t>Header subsection Profile &amp; Email button groups</a:t>
+            </a:r>
+          </a:p>
+          <a:p>
+            <a:pPr lvl="1"/>
+            <a:r>
+              <a:rPr lang="en-US" dirty="0"/>
+              <a:t>Header subsection dropdown content for about </a:t>
+            </a:r>
+            <a:r>
+              <a:rPr lang="en-US"/>
+              <a:t>and contact</a:t>
+            </a:r>
+          </a:p>
+        </p:txBody>
+      </p:sp>
+    </p:spTree>
+    <p:extLst>
+      <p:ext uri="{BB962C8B-B14F-4D97-AF65-F5344CB8AC3E}">
+        <p14:creationId xmlns:p14="http://schemas.microsoft.com/office/powerpoint/2010/main" val="2878487664"/>
       </p:ext>
     </p:extLst>
   </p:cSld>

--- a/BootStrap/BootStrap.pptx
+++ b/BootStrap/BootStrap.pptx
@@ -269,7 +269,7 @@
           <a:p>
             <a:fld id="{C733A816-DFDF-8B42-95C4-9A27724DA6F8}" type="datetimeFigureOut">
               <a:rPr lang="en-US" smtClean="0"/>
-              <a:t>8/5/25</a:t>
+              <a:t>8/6/25</a:t>
             </a:fld>
             <a:endParaRPr lang="en-US"/>
           </a:p>
@@ -469,7 +469,7 @@
           <a:p>
             <a:fld id="{C733A816-DFDF-8B42-95C4-9A27724DA6F8}" type="datetimeFigureOut">
               <a:rPr lang="en-US" smtClean="0"/>
-              <a:t>8/5/25</a:t>
+              <a:t>8/6/25</a:t>
             </a:fld>
             <a:endParaRPr lang="en-US"/>
           </a:p>
@@ -679,7 +679,7 @@
           <a:p>
             <a:fld id="{C733A816-DFDF-8B42-95C4-9A27724DA6F8}" type="datetimeFigureOut">
               <a:rPr lang="en-US" smtClean="0"/>
-              <a:t>8/5/25</a:t>
+              <a:t>8/6/25</a:t>
             </a:fld>
             <a:endParaRPr lang="en-US"/>
           </a:p>
@@ -879,7 +879,7 @@
           <a:p>
             <a:fld id="{C733A816-DFDF-8B42-95C4-9A27724DA6F8}" type="datetimeFigureOut">
               <a:rPr lang="en-US" smtClean="0"/>
-              <a:t>8/5/25</a:t>
+              <a:t>8/6/25</a:t>
             </a:fld>
             <a:endParaRPr lang="en-US"/>
           </a:p>
@@ -1155,7 +1155,7 @@
           <a:p>
             <a:fld id="{C733A816-DFDF-8B42-95C4-9A27724DA6F8}" type="datetimeFigureOut">
               <a:rPr lang="en-US" smtClean="0"/>
-              <a:t>8/5/25</a:t>
+              <a:t>8/6/25</a:t>
             </a:fld>
             <a:endParaRPr lang="en-US"/>
           </a:p>
@@ -1423,7 +1423,7 @@
           <a:p>
             <a:fld id="{C733A816-DFDF-8B42-95C4-9A27724DA6F8}" type="datetimeFigureOut">
               <a:rPr lang="en-US" smtClean="0"/>
-              <a:t>8/5/25</a:t>
+              <a:t>8/6/25</a:t>
             </a:fld>
             <a:endParaRPr lang="en-US"/>
           </a:p>
@@ -1838,7 +1838,7 @@
           <a:p>
             <a:fld id="{C733A816-DFDF-8B42-95C4-9A27724DA6F8}" type="datetimeFigureOut">
               <a:rPr lang="en-US" smtClean="0"/>
-              <a:t>8/5/25</a:t>
+              <a:t>8/6/25</a:t>
             </a:fld>
             <a:endParaRPr lang="en-US"/>
           </a:p>
@@ -1980,7 +1980,7 @@
           <a:p>
             <a:fld id="{C733A816-DFDF-8B42-95C4-9A27724DA6F8}" type="datetimeFigureOut">
               <a:rPr lang="en-US" smtClean="0"/>
-              <a:t>8/5/25</a:t>
+              <a:t>8/6/25</a:t>
             </a:fld>
             <a:endParaRPr lang="en-US"/>
           </a:p>
@@ -2093,7 +2093,7 @@
           <a:p>
             <a:fld id="{C733A816-DFDF-8B42-95C4-9A27724DA6F8}" type="datetimeFigureOut">
               <a:rPr lang="en-US" smtClean="0"/>
-              <a:t>8/5/25</a:t>
+              <a:t>8/6/25</a:t>
             </a:fld>
             <a:endParaRPr lang="en-US"/>
           </a:p>
@@ -2406,7 +2406,7 @@
           <a:p>
             <a:fld id="{C733A816-DFDF-8B42-95C4-9A27724DA6F8}" type="datetimeFigureOut">
               <a:rPr lang="en-US" smtClean="0"/>
-              <a:t>8/5/25</a:t>
+              <a:t>8/6/25</a:t>
             </a:fld>
             <a:endParaRPr lang="en-US"/>
           </a:p>
@@ -2695,7 +2695,7 @@
           <a:p>
             <a:fld id="{C733A816-DFDF-8B42-95C4-9A27724DA6F8}" type="datetimeFigureOut">
               <a:rPr lang="en-US" smtClean="0"/>
-              <a:t>8/5/25</a:t>
+              <a:t>8/6/25</a:t>
             </a:fld>
             <a:endParaRPr lang="en-US"/>
           </a:p>
@@ -2938,7 +2938,7 @@
           <a:p>
             <a:fld id="{C733A816-DFDF-8B42-95C4-9A27724DA6F8}" type="datetimeFigureOut">
               <a:rPr lang="en-US" smtClean="0"/>
-              <a:t>8/5/25</a:t>
+              <a:t>8/6/25</a:t>
             </a:fld>
             <a:endParaRPr lang="en-US"/>
           </a:p>
@@ -4292,11 +4292,40 @@
             <a:pPr lvl="1"/>
             <a:r>
               <a:rPr lang="en-US" dirty="0"/>
-              <a:t>Header subsection dropdown content for about </a:t>
-            </a:r>
-            <a:r>
-              <a:rPr lang="en-US"/>
-              <a:t>and contact</a:t>
+              <a:t>Header subsection dropdown content for about and contact</a:t>
+            </a:r>
+          </a:p>
+          <a:p>
+            <a:pPr lvl="1"/>
+            <a:r>
+              <a:rPr lang="en-US" dirty="0"/>
+              <a:t>Profile </a:t>
+            </a:r>
+            <a:r>
+              <a:rPr lang="en-US" dirty="0" err="1"/>
+              <a:t>img</a:t>
+            </a:r>
+            <a:endParaRPr lang="en-US" dirty="0"/>
+          </a:p>
+          <a:p>
+            <a:pPr lvl="1"/>
+            <a:r>
+              <a:rPr lang="en-IN" dirty="0"/>
+              <a:t>PORTFOLIO OFFCANVES CONTENT</a:t>
+            </a:r>
+          </a:p>
+          <a:p>
+            <a:pPr lvl="1"/>
+            <a:r>
+              <a:rPr lang="en-IN" dirty="0"/>
+              <a:t>EMAIL OF CANVES CONTENT</a:t>
+            </a:r>
+          </a:p>
+          <a:p>
+            <a:pPr lvl="1"/>
+            <a:r>
+              <a:rPr lang="en-US" dirty="0"/>
+              <a:t>footer</a:t>
             </a:r>
           </a:p>
         </p:txBody>

--- a/BootStrap/BootStrap.pptx
+++ b/BootStrap/BootStrap.pptx
@@ -14,6 +14,7 @@
     <p:sldId id="262" r:id="rId8"/>
     <p:sldId id="263" r:id="rId9"/>
     <p:sldId id="264" r:id="rId10"/>
+    <p:sldId id="265" r:id="rId11"/>
   </p:sldIdLst>
   <p:sldSz cx="12192000" cy="6858000"/>
   <p:notesSz cx="6858000" cy="9144000"/>
@@ -269,7 +270,7 @@
           <a:p>
             <a:fld id="{C733A816-DFDF-8B42-95C4-9A27724DA6F8}" type="datetimeFigureOut">
               <a:rPr lang="en-US" smtClean="0"/>
-              <a:t>8/6/25</a:t>
+              <a:t>8/7/25</a:t>
             </a:fld>
             <a:endParaRPr lang="en-US"/>
           </a:p>
@@ -469,7 +470,7 @@
           <a:p>
             <a:fld id="{C733A816-DFDF-8B42-95C4-9A27724DA6F8}" type="datetimeFigureOut">
               <a:rPr lang="en-US" smtClean="0"/>
-              <a:t>8/6/25</a:t>
+              <a:t>8/7/25</a:t>
             </a:fld>
             <a:endParaRPr lang="en-US"/>
           </a:p>
@@ -679,7 +680,7 @@
           <a:p>
             <a:fld id="{C733A816-DFDF-8B42-95C4-9A27724DA6F8}" type="datetimeFigureOut">
               <a:rPr lang="en-US" smtClean="0"/>
-              <a:t>8/6/25</a:t>
+              <a:t>8/7/25</a:t>
             </a:fld>
             <a:endParaRPr lang="en-US"/>
           </a:p>
@@ -879,7 +880,7 @@
           <a:p>
             <a:fld id="{C733A816-DFDF-8B42-95C4-9A27724DA6F8}" type="datetimeFigureOut">
               <a:rPr lang="en-US" smtClean="0"/>
-              <a:t>8/6/25</a:t>
+              <a:t>8/7/25</a:t>
             </a:fld>
             <a:endParaRPr lang="en-US"/>
           </a:p>
@@ -1155,7 +1156,7 @@
           <a:p>
             <a:fld id="{C733A816-DFDF-8B42-95C4-9A27724DA6F8}" type="datetimeFigureOut">
               <a:rPr lang="en-US" smtClean="0"/>
-              <a:t>8/6/25</a:t>
+              <a:t>8/7/25</a:t>
             </a:fld>
             <a:endParaRPr lang="en-US"/>
           </a:p>
@@ -1423,7 +1424,7 @@
           <a:p>
             <a:fld id="{C733A816-DFDF-8B42-95C4-9A27724DA6F8}" type="datetimeFigureOut">
               <a:rPr lang="en-US" smtClean="0"/>
-              <a:t>8/6/25</a:t>
+              <a:t>8/7/25</a:t>
             </a:fld>
             <a:endParaRPr lang="en-US"/>
           </a:p>
@@ -1838,7 +1839,7 @@
           <a:p>
             <a:fld id="{C733A816-DFDF-8B42-95C4-9A27724DA6F8}" type="datetimeFigureOut">
               <a:rPr lang="en-US" smtClean="0"/>
-              <a:t>8/6/25</a:t>
+              <a:t>8/7/25</a:t>
             </a:fld>
             <a:endParaRPr lang="en-US"/>
           </a:p>
@@ -1980,7 +1981,7 @@
           <a:p>
             <a:fld id="{C733A816-DFDF-8B42-95C4-9A27724DA6F8}" type="datetimeFigureOut">
               <a:rPr lang="en-US" smtClean="0"/>
-              <a:t>8/6/25</a:t>
+              <a:t>8/7/25</a:t>
             </a:fld>
             <a:endParaRPr lang="en-US"/>
           </a:p>
@@ -2093,7 +2094,7 @@
           <a:p>
             <a:fld id="{C733A816-DFDF-8B42-95C4-9A27724DA6F8}" type="datetimeFigureOut">
               <a:rPr lang="en-US" smtClean="0"/>
-              <a:t>8/6/25</a:t>
+              <a:t>8/7/25</a:t>
             </a:fld>
             <a:endParaRPr lang="en-US"/>
           </a:p>
@@ -2406,7 +2407,7 @@
           <a:p>
             <a:fld id="{C733A816-DFDF-8B42-95C4-9A27724DA6F8}" type="datetimeFigureOut">
               <a:rPr lang="en-US" smtClean="0"/>
-              <a:t>8/6/25</a:t>
+              <a:t>8/7/25</a:t>
             </a:fld>
             <a:endParaRPr lang="en-US"/>
           </a:p>
@@ -2695,7 +2696,7 @@
           <a:p>
             <a:fld id="{C733A816-DFDF-8B42-95C4-9A27724DA6F8}" type="datetimeFigureOut">
               <a:rPr lang="en-US" smtClean="0"/>
-              <a:t>8/6/25</a:t>
+              <a:t>8/7/25</a:t>
             </a:fld>
             <a:endParaRPr lang="en-US"/>
           </a:p>
@@ -2938,7 +2939,7 @@
           <a:p>
             <a:fld id="{C733A816-DFDF-8B42-95C4-9A27724DA6F8}" type="datetimeFigureOut">
               <a:rPr lang="en-US" smtClean="0"/>
-              <a:t>8/6/25</a:t>
+              <a:t>8/7/25</a:t>
             </a:fld>
             <a:endParaRPr lang="en-US"/>
           </a:p>
@@ -3388,6 +3389,131 @@
     <p:extLst>
       <p:ext uri="{BB962C8B-B14F-4D97-AF65-F5344CB8AC3E}">
         <p14:creationId xmlns:p14="http://schemas.microsoft.com/office/powerpoint/2010/main" val="2727564439"/>
+      </p:ext>
+    </p:extLst>
+  </p:cSld>
+  <p:clrMapOvr>
+    <a:masterClrMapping/>
+  </p:clrMapOvr>
+</p:sld>
+</file>
+
+<file path=ppt/slides/slide10.xml><?xml version="1.0" encoding="utf-8"?>
+<p:sld xmlns:a="http://schemas.openxmlformats.org/drawingml/2006/main" xmlns:r="http://schemas.openxmlformats.org/officeDocument/2006/relationships" xmlns:p="http://schemas.openxmlformats.org/presentationml/2006/main">
+  <p:cSld>
+    <p:spTree>
+      <p:nvGrpSpPr>
+        <p:cNvPr id="1" name=""/>
+        <p:cNvGrpSpPr/>
+        <p:nvPr/>
+      </p:nvGrpSpPr>
+      <p:grpSpPr>
+        <a:xfrm>
+          <a:off x="0" y="0"/>
+          <a:ext cx="0" cy="0"/>
+          <a:chOff x="0" y="0"/>
+          <a:chExt cx="0" cy="0"/>
+        </a:xfrm>
+      </p:grpSpPr>
+      <p:sp>
+        <p:nvSpPr>
+          <p:cNvPr id="2" name="Title 1">
+            <a:extLst>
+              <a:ext uri="{FF2B5EF4-FFF2-40B4-BE49-F238E27FC236}">
+                <a16:creationId xmlns:a16="http://schemas.microsoft.com/office/drawing/2014/main" id="{82116894-9BEC-D7AA-D5A7-FD9BFB606BFF}"/>
+              </a:ext>
+            </a:extLst>
+          </p:cNvPr>
+          <p:cNvSpPr>
+            <a:spLocks noGrp="1"/>
+          </p:cNvSpPr>
+          <p:nvPr>
+            <p:ph type="title"/>
+          </p:nvPr>
+        </p:nvSpPr>
+        <p:spPr/>
+        <p:txBody>
+          <a:bodyPr/>
+          <a:lstStyle/>
+          <a:p>
+            <a:r>
+              <a:rPr lang="en-US" dirty="0"/>
+              <a:t>Project02</a:t>
+            </a:r>
+          </a:p>
+        </p:txBody>
+      </p:sp>
+      <p:sp>
+        <p:nvSpPr>
+          <p:cNvPr id="3" name="Content Placeholder 2">
+            <a:extLst>
+              <a:ext uri="{FF2B5EF4-FFF2-40B4-BE49-F238E27FC236}">
+                <a16:creationId xmlns:a16="http://schemas.microsoft.com/office/drawing/2014/main" id="{6EDDA4CF-8A38-0144-390A-4151F22E1686}"/>
+              </a:ext>
+            </a:extLst>
+          </p:cNvPr>
+          <p:cNvSpPr>
+            <a:spLocks noGrp="1"/>
+          </p:cNvSpPr>
+          <p:nvPr>
+            <p:ph idx="1"/>
+          </p:nvPr>
+        </p:nvSpPr>
+        <p:spPr/>
+        <p:txBody>
+          <a:bodyPr/>
+          <a:lstStyle/>
+          <a:p>
+            <a:pPr marL="0" indent="0">
+              <a:buNone/>
+            </a:pPr>
+            <a:r>
+              <a:rPr lang="en-US" dirty="0"/>
+              <a:t>Business Website </a:t>
+            </a:r>
+          </a:p>
+          <a:p>
+            <a:pPr lvl="1"/>
+            <a:r>
+              <a:rPr lang="en-US" dirty="0"/>
+              <a:t>Project setup</a:t>
+            </a:r>
+          </a:p>
+          <a:p>
+            <a:pPr lvl="1"/>
+            <a:r>
+              <a:rPr lang="en-US" dirty="0"/>
+              <a:t>Website Navigation</a:t>
+            </a:r>
+          </a:p>
+          <a:p>
+            <a:pPr lvl="1"/>
+            <a:r>
+              <a:rPr lang="en-US" dirty="0"/>
+              <a:t>Website header</a:t>
+            </a:r>
+          </a:p>
+          <a:p>
+            <a:pPr lvl="1"/>
+            <a:r>
+              <a:rPr lang="en-US" dirty="0"/>
+              <a:t>Website header </a:t>
+            </a:r>
+            <a:r>
+              <a:rPr lang="en-US"/>
+              <a:t>get offer modal</a:t>
+            </a:r>
+          </a:p>
+          <a:p>
+            <a:pPr lvl="1"/>
+            <a:endParaRPr lang="en-US"/>
+          </a:p>
+        </p:txBody>
+      </p:sp>
+    </p:spTree>
+    <p:extLst>
+      <p:ext uri="{BB962C8B-B14F-4D97-AF65-F5344CB8AC3E}">
+        <p14:creationId xmlns:p14="http://schemas.microsoft.com/office/powerpoint/2010/main" val="859437148"/>
       </p:ext>
     </p:extLst>
   </p:cSld>

--- a/BootStrap/BootStrap.pptx
+++ b/BootStrap/BootStrap.pptx
@@ -15,6 +15,7 @@
     <p:sldId id="263" r:id="rId9"/>
     <p:sldId id="264" r:id="rId10"/>
     <p:sldId id="265" r:id="rId11"/>
+    <p:sldId id="266" r:id="rId12"/>
   </p:sldIdLst>
   <p:sldSz cx="12192000" cy="6858000"/>
   <p:notesSz cx="6858000" cy="9144000"/>
@@ -270,7 +271,7 @@
           <a:p>
             <a:fld id="{C733A816-DFDF-8B42-95C4-9A27724DA6F8}" type="datetimeFigureOut">
               <a:rPr lang="en-US" smtClean="0"/>
-              <a:t>8/7/25</a:t>
+              <a:t>8/13/25</a:t>
             </a:fld>
             <a:endParaRPr lang="en-US"/>
           </a:p>
@@ -470,7 +471,7 @@
           <a:p>
             <a:fld id="{C733A816-DFDF-8B42-95C4-9A27724DA6F8}" type="datetimeFigureOut">
               <a:rPr lang="en-US" smtClean="0"/>
-              <a:t>8/7/25</a:t>
+              <a:t>8/13/25</a:t>
             </a:fld>
             <a:endParaRPr lang="en-US"/>
           </a:p>
@@ -680,7 +681,7 @@
           <a:p>
             <a:fld id="{C733A816-DFDF-8B42-95C4-9A27724DA6F8}" type="datetimeFigureOut">
               <a:rPr lang="en-US" smtClean="0"/>
-              <a:t>8/7/25</a:t>
+              <a:t>8/13/25</a:t>
             </a:fld>
             <a:endParaRPr lang="en-US"/>
           </a:p>
@@ -880,7 +881,7 @@
           <a:p>
             <a:fld id="{C733A816-DFDF-8B42-95C4-9A27724DA6F8}" type="datetimeFigureOut">
               <a:rPr lang="en-US" smtClean="0"/>
-              <a:t>8/7/25</a:t>
+              <a:t>8/13/25</a:t>
             </a:fld>
             <a:endParaRPr lang="en-US"/>
           </a:p>
@@ -1156,7 +1157,7 @@
           <a:p>
             <a:fld id="{C733A816-DFDF-8B42-95C4-9A27724DA6F8}" type="datetimeFigureOut">
               <a:rPr lang="en-US" smtClean="0"/>
-              <a:t>8/7/25</a:t>
+              <a:t>8/13/25</a:t>
             </a:fld>
             <a:endParaRPr lang="en-US"/>
           </a:p>
@@ -1424,7 +1425,7 @@
           <a:p>
             <a:fld id="{C733A816-DFDF-8B42-95C4-9A27724DA6F8}" type="datetimeFigureOut">
               <a:rPr lang="en-US" smtClean="0"/>
-              <a:t>8/7/25</a:t>
+              <a:t>8/13/25</a:t>
             </a:fld>
             <a:endParaRPr lang="en-US"/>
           </a:p>
@@ -1839,7 +1840,7 @@
           <a:p>
             <a:fld id="{C733A816-DFDF-8B42-95C4-9A27724DA6F8}" type="datetimeFigureOut">
               <a:rPr lang="en-US" smtClean="0"/>
-              <a:t>8/7/25</a:t>
+              <a:t>8/13/25</a:t>
             </a:fld>
             <a:endParaRPr lang="en-US"/>
           </a:p>
@@ -1981,7 +1982,7 @@
           <a:p>
             <a:fld id="{C733A816-DFDF-8B42-95C4-9A27724DA6F8}" type="datetimeFigureOut">
               <a:rPr lang="en-US" smtClean="0"/>
-              <a:t>8/7/25</a:t>
+              <a:t>8/13/25</a:t>
             </a:fld>
             <a:endParaRPr lang="en-US"/>
           </a:p>
@@ -2094,7 +2095,7 @@
           <a:p>
             <a:fld id="{C733A816-DFDF-8B42-95C4-9A27724DA6F8}" type="datetimeFigureOut">
               <a:rPr lang="en-US" smtClean="0"/>
-              <a:t>8/7/25</a:t>
+              <a:t>8/13/25</a:t>
             </a:fld>
             <a:endParaRPr lang="en-US"/>
           </a:p>
@@ -2407,7 +2408,7 @@
           <a:p>
             <a:fld id="{C733A816-DFDF-8B42-95C4-9A27724DA6F8}" type="datetimeFigureOut">
               <a:rPr lang="en-US" smtClean="0"/>
-              <a:t>8/7/25</a:t>
+              <a:t>8/13/25</a:t>
             </a:fld>
             <a:endParaRPr lang="en-US"/>
           </a:p>
@@ -2696,7 +2697,7 @@
           <a:p>
             <a:fld id="{C733A816-DFDF-8B42-95C4-9A27724DA6F8}" type="datetimeFigureOut">
               <a:rPr lang="en-US" smtClean="0"/>
-              <a:t>8/7/25</a:t>
+              <a:t>8/13/25</a:t>
             </a:fld>
             <a:endParaRPr lang="en-US"/>
           </a:p>
@@ -2939,7 +2940,7 @@
           <a:p>
             <a:fld id="{C733A816-DFDF-8B42-95C4-9A27724DA6F8}" type="datetimeFigureOut">
               <a:rPr lang="en-US" smtClean="0"/>
-              <a:t>8/7/25</a:t>
+              <a:t>8/13/25</a:t>
             </a:fld>
             <a:endParaRPr lang="en-US"/>
           </a:p>
@@ -3514,6 +3515,126 @@
     <p:extLst>
       <p:ext uri="{BB962C8B-B14F-4D97-AF65-F5344CB8AC3E}">
         <p14:creationId xmlns:p14="http://schemas.microsoft.com/office/powerpoint/2010/main" val="859437148"/>
+      </p:ext>
+    </p:extLst>
+  </p:cSld>
+  <p:clrMapOvr>
+    <a:masterClrMapping/>
+  </p:clrMapOvr>
+</p:sld>
+</file>
+
+<file path=ppt/slides/slide11.xml><?xml version="1.0" encoding="utf-8"?>
+<p:sld xmlns:a="http://schemas.openxmlformats.org/drawingml/2006/main" xmlns:r="http://schemas.openxmlformats.org/officeDocument/2006/relationships" xmlns:p="http://schemas.openxmlformats.org/presentationml/2006/main">
+  <p:cSld>
+    <p:spTree>
+      <p:nvGrpSpPr>
+        <p:cNvPr id="1" name=""/>
+        <p:cNvGrpSpPr/>
+        <p:nvPr/>
+      </p:nvGrpSpPr>
+      <p:grpSpPr>
+        <a:xfrm>
+          <a:off x="0" y="0"/>
+          <a:ext cx="0" cy="0"/>
+          <a:chOff x="0" y="0"/>
+          <a:chExt cx="0" cy="0"/>
+        </a:xfrm>
+      </p:grpSpPr>
+      <p:sp>
+        <p:nvSpPr>
+          <p:cNvPr id="2" name="Title 1">
+            <a:extLst>
+              <a:ext uri="{FF2B5EF4-FFF2-40B4-BE49-F238E27FC236}">
+                <a16:creationId xmlns:a16="http://schemas.microsoft.com/office/drawing/2014/main" id="{F91A0D15-B8C6-DC5B-C9F9-11D85E67A27F}"/>
+              </a:ext>
+            </a:extLst>
+          </p:cNvPr>
+          <p:cNvSpPr>
+            <a:spLocks noGrp="1"/>
+          </p:cNvSpPr>
+          <p:nvPr>
+            <p:ph type="title"/>
+          </p:nvPr>
+        </p:nvSpPr>
+        <p:spPr/>
+        <p:txBody>
+          <a:bodyPr/>
+          <a:lstStyle/>
+          <a:p>
+            <a:r>
+              <a:rPr lang="en-US" dirty="0"/>
+              <a:t>Project03</a:t>
+            </a:r>
+          </a:p>
+        </p:txBody>
+      </p:sp>
+      <p:sp>
+        <p:nvSpPr>
+          <p:cNvPr id="3" name="Content Placeholder 2">
+            <a:extLst>
+              <a:ext uri="{FF2B5EF4-FFF2-40B4-BE49-F238E27FC236}">
+                <a16:creationId xmlns:a16="http://schemas.microsoft.com/office/drawing/2014/main" id="{25F541F2-80A3-69FF-FDB5-A1FD35EEF243}"/>
+              </a:ext>
+            </a:extLst>
+          </p:cNvPr>
+          <p:cNvSpPr>
+            <a:spLocks noGrp="1"/>
+          </p:cNvSpPr>
+          <p:nvPr>
+            <p:ph idx="1"/>
+          </p:nvPr>
+        </p:nvSpPr>
+        <p:spPr/>
+        <p:txBody>
+          <a:bodyPr/>
+          <a:lstStyle/>
+          <a:p>
+            <a:r>
+              <a:rPr lang="en-US" dirty="0"/>
+              <a:t>Navigation</a:t>
+            </a:r>
+          </a:p>
+          <a:p>
+            <a:r>
+              <a:rPr lang="en-US" dirty="0"/>
+              <a:t>Header section</a:t>
+            </a:r>
+          </a:p>
+          <a:p>
+            <a:r>
+              <a:rPr lang="en-US" dirty="0"/>
+              <a:t>Header contact form</a:t>
+            </a:r>
+          </a:p>
+          <a:p>
+            <a:r>
+              <a:rPr lang="en-US" dirty="0"/>
+              <a:t>Website main section</a:t>
+            </a:r>
+          </a:p>
+          <a:p>
+            <a:r>
+              <a:rPr lang="en-US" dirty="0"/>
+              <a:t>Portrait </a:t>
+            </a:r>
+            <a:r>
+              <a:rPr lang="en-US"/>
+              <a:t>photo gallery</a:t>
+            </a:r>
+          </a:p>
+          <a:p>
+            <a:endParaRPr lang="en-US" dirty="0"/>
+          </a:p>
+          <a:p>
+            <a:endParaRPr lang="en-US" dirty="0"/>
+          </a:p>
+        </p:txBody>
+      </p:sp>
+    </p:spTree>
+    <p:extLst>
+      <p:ext uri="{BB962C8B-B14F-4D97-AF65-F5344CB8AC3E}">
+        <p14:creationId xmlns:p14="http://schemas.microsoft.com/office/powerpoint/2010/main" val="4068406981"/>
       </p:ext>
     </p:extLst>
   </p:cSld>
